--- a/inst/extdata/covid_report_template.pptx
+++ b/inst/extdata/covid_report_template.pptx
@@ -253,7 +253,7 @@
           <a:p>
             <a:fld id="{12BC3984-E246-47BC-8B53-DDB270F22CB5}" type="datetimeFigureOut">
               <a:rPr lang="en-US" smtClean="0"/>
-              <a:t>5/14/2021</a:t>
+              <a:t>6/11/2021</a:t>
             </a:fld>
             <a:endParaRPr lang="en-US"/>
           </a:p>
@@ -430,7 +430,7 @@
           <a:p>
             <a:fld id="{1E6448DA-3286-4B5D-9EEA-ED90D8D5729E}" type="datetimeFigureOut">
               <a:rPr lang="en-US" smtClean="0"/>
-              <a:t>5/14/2021</a:t>
+              <a:t>6/11/2021</a:t>
             </a:fld>
             <a:endParaRPr lang="en-US"/>
           </a:p>
@@ -959,7 +959,7 @@
             </a:pPr>
             <a:fld id="{EEE95C07-E651-48F3-A486-1526F8B635C6}" type="datetime1">
               <a:rPr lang="en-US" smtClean="0"/>
-              <a:t>5/14/2021</a:t>
+              <a:t>6/11/2021</a:t>
             </a:fld>
             <a:endParaRPr lang="en-US" dirty="0"/>
           </a:p>
@@ -1293,7 +1293,7 @@
             </a:pPr>
             <a:fld id="{915EC66F-E0CA-4E91-900E-592EC64F804E}" type="datetime1">
               <a:rPr lang="en-US" smtClean="0"/>
-              <a:t>5/14/2021</a:t>
+              <a:t>6/11/2021</a:t>
             </a:fld>
             <a:endParaRPr lang="en-US" dirty="0"/>
           </a:p>
@@ -1585,7 +1585,7 @@
             </a:pPr>
             <a:fld id="{D6367E54-32B3-404A-883C-17D7D9258A59}" type="datetime1">
               <a:rPr lang="en-US" smtClean="0"/>
-              <a:t>5/14/2021</a:t>
+              <a:t>6/11/2021</a:t>
             </a:fld>
             <a:endParaRPr lang="en-US" dirty="0"/>
           </a:p>
@@ -1720,7 +1720,7 @@
             </a:pPr>
             <a:fld id="{13FD01EB-D836-496D-98CF-0450B477FE21}" type="datetime1">
               <a:rPr lang="en-US" smtClean="0"/>
-              <a:t>5/14/2021</a:t>
+              <a:t>6/11/2021</a:t>
             </a:fld>
             <a:endParaRPr lang="en-US" dirty="0"/>
           </a:p>
@@ -2013,7 +2013,7 @@
             </a:pPr>
             <a:fld id="{EA0E7256-E9D9-44CE-B1E4-5D70230DB5D8}" type="datetime1">
               <a:rPr lang="en-US" smtClean="0"/>
-              <a:t>5/14/2021</a:t>
+              <a:t>6/11/2021</a:t>
             </a:fld>
             <a:endParaRPr lang="en-US" dirty="0"/>
           </a:p>
@@ -2304,7 +2304,7 @@
             </a:pPr>
             <a:fld id="{C79288BF-C334-4EE6-ADBE-D2A1161E2D23}" type="datetime1">
               <a:rPr lang="en-US" smtClean="0"/>
-              <a:t>5/14/2021</a:t>
+              <a:t>6/11/2021</a:t>
             </a:fld>
             <a:endParaRPr lang="en-US" dirty="0"/>
           </a:p>
@@ -2580,7 +2580,7 @@
             </a:pPr>
             <a:fld id="{30F9E8A2-4147-47D3-8A3E-E0D858C35853}" type="datetime1">
               <a:rPr lang="en-US" smtClean="0"/>
-              <a:t>5/14/2021</a:t>
+              <a:t>6/11/2021</a:t>
             </a:fld>
             <a:endParaRPr lang="en-US" dirty="0"/>
           </a:p>
@@ -2847,7 +2847,7 @@
             </a:pPr>
             <a:fld id="{5B84C2F6-9E0D-4E17-9E61-FABC68D63F41}" type="datetime1">
               <a:rPr lang="en-US" smtClean="0"/>
-              <a:t>5/14/2021</a:t>
+              <a:t>6/11/2021</a:t>
             </a:fld>
             <a:endParaRPr lang="en-US" dirty="0"/>
           </a:p>
@@ -2903,7 +2903,7 @@
 </file>
 
 <file path=ppt/slideLayouts/slideLayout7.xml><?xml version="1.0" encoding="utf-8"?>
-<p:sldLayout xmlns:a="http://schemas.openxmlformats.org/drawingml/2006/main" xmlns:r="http://schemas.openxmlformats.org/officeDocument/2006/relationships" xmlns:p="http://schemas.openxmlformats.org/presentationml/2006/main" type="twoObj" preserve="1">
+<p:sldLayout xmlns:a="http://schemas.openxmlformats.org/drawingml/2006/main" xmlns:r="http://schemas.openxmlformats.org/officeDocument/2006/relationships" xmlns:p="http://schemas.openxmlformats.org/presentationml/2006/main" preserve="1" userDrawn="1">
   <p:cSld name="Two Content">
     <p:spTree>
       <p:nvGrpSpPr>
@@ -2921,279 +2921,6 @@
       </p:grpSpPr>
       <p:sp>
         <p:nvSpPr>
-          <p:cNvPr id="2" name="Title 1"/>
-          <p:cNvSpPr>
-            <a:spLocks noGrp="1"/>
-          </p:cNvSpPr>
-          <p:nvPr>
-            <p:ph type="title"/>
-          </p:nvPr>
-        </p:nvSpPr>
-        <p:spPr/>
-        <p:txBody>
-          <a:bodyPr/>
-          <a:lstStyle>
-            <a:lvl1pPr algn="ctr" rtl="0" eaLnBrk="0" fontAlgn="base" hangingPunct="0">
-              <a:spcBef>
-                <a:spcPct val="0"/>
-              </a:spcBef>
-              <a:spcAft>
-                <a:spcPct val="0"/>
-              </a:spcAft>
-              <a:defRPr lang="en-US" sz="3200" b="1" kern="1200" spc="-150" dirty="0">
-                <a:ln w="3175">
-                  <a:noFill/>
-                </a:ln>
-                <a:solidFill>
-                  <a:srgbClr val="4D4D4D"/>
-                </a:solidFill>
-                <a:effectLst/>
-                <a:latin typeface="Arial" panose="020B0604020202020204" pitchFamily="34" charset="0"/>
-                <a:ea typeface="Tahoma" panose="020B0604030504040204" pitchFamily="34" charset="0"/>
-                <a:cs typeface="Arial" panose="020B0604020202020204" pitchFamily="34" charset="0"/>
-              </a:defRPr>
-            </a:lvl1pPr>
-          </a:lstStyle>
-          <a:p>
-            <a:r>
-              <a:rPr lang="en-US"/>
-              <a:t>Click to edit Master title style</a:t>
-            </a:r>
-            <a:endParaRPr lang="en-US" dirty="0"/>
-          </a:p>
-        </p:txBody>
-      </p:sp>
-      <p:sp>
-        <p:nvSpPr>
-          <p:cNvPr id="3" name="Content Placeholder 2"/>
-          <p:cNvSpPr>
-            <a:spLocks noGrp="1"/>
-          </p:cNvSpPr>
-          <p:nvPr>
-            <p:ph sz="half" idx="1"/>
-          </p:nvPr>
-        </p:nvSpPr>
-        <p:spPr>
-          <a:xfrm>
-            <a:off x="609600" y="1600205"/>
-            <a:ext cx="5384800" cy="4419595"/>
-          </a:xfrm>
-        </p:spPr>
-        <p:txBody>
-          <a:bodyPr/>
-          <a:lstStyle>
-            <a:lvl1pPr>
-              <a:defRPr sz="2800">
-                <a:solidFill>
-                  <a:srgbClr val="4D4D4D"/>
-                </a:solidFill>
-                <a:latin typeface="Arial" panose="020B0604020202020204" pitchFamily="34" charset="0"/>
-                <a:cs typeface="Arial" panose="020B0604020202020204" pitchFamily="34" charset="0"/>
-              </a:defRPr>
-            </a:lvl1pPr>
-            <a:lvl2pPr>
-              <a:defRPr sz="2400">
-                <a:solidFill>
-                  <a:srgbClr val="4D4D4D"/>
-                </a:solidFill>
-                <a:latin typeface="Arial" panose="020B0604020202020204" pitchFamily="34" charset="0"/>
-                <a:cs typeface="Arial" panose="020B0604020202020204" pitchFamily="34" charset="0"/>
-              </a:defRPr>
-            </a:lvl2pPr>
-            <a:lvl3pPr>
-              <a:defRPr sz="2000">
-                <a:solidFill>
-                  <a:srgbClr val="4D4D4D"/>
-                </a:solidFill>
-                <a:latin typeface="Arial" panose="020B0604020202020204" pitchFamily="34" charset="0"/>
-                <a:cs typeface="Arial" panose="020B0604020202020204" pitchFamily="34" charset="0"/>
-              </a:defRPr>
-            </a:lvl3pPr>
-            <a:lvl4pPr>
-              <a:defRPr sz="1800">
-                <a:solidFill>
-                  <a:srgbClr val="4D4D4D"/>
-                </a:solidFill>
-                <a:latin typeface="Arial" panose="020B0604020202020204" pitchFamily="34" charset="0"/>
-                <a:cs typeface="Arial" panose="020B0604020202020204" pitchFamily="34" charset="0"/>
-              </a:defRPr>
-            </a:lvl4pPr>
-            <a:lvl5pPr>
-              <a:defRPr sz="1800">
-                <a:solidFill>
-                  <a:srgbClr val="4D4D4D"/>
-                </a:solidFill>
-                <a:latin typeface="Arial" panose="020B0604020202020204" pitchFamily="34" charset="0"/>
-                <a:cs typeface="Arial" panose="020B0604020202020204" pitchFamily="34" charset="0"/>
-              </a:defRPr>
-            </a:lvl5pPr>
-            <a:lvl6pPr>
-              <a:defRPr sz="1800"/>
-            </a:lvl6pPr>
-            <a:lvl7pPr>
-              <a:defRPr sz="1800"/>
-            </a:lvl7pPr>
-            <a:lvl8pPr>
-              <a:defRPr sz="1800"/>
-            </a:lvl8pPr>
-            <a:lvl9pPr>
-              <a:defRPr sz="1800"/>
-            </a:lvl9pPr>
-          </a:lstStyle>
-          <a:p>
-            <a:pPr lvl="0"/>
-            <a:r>
-              <a:rPr lang="en-US" dirty="0"/>
-              <a:t>Edit Master text styles</a:t>
-            </a:r>
-          </a:p>
-          <a:p>
-            <a:pPr lvl="1"/>
-            <a:r>
-              <a:rPr lang="en-US" dirty="0"/>
-              <a:t>Second level</a:t>
-            </a:r>
-          </a:p>
-          <a:p>
-            <a:pPr lvl="2"/>
-            <a:r>
-              <a:rPr lang="en-US" dirty="0"/>
-              <a:t>Third level</a:t>
-            </a:r>
-          </a:p>
-          <a:p>
-            <a:pPr lvl="3"/>
-            <a:r>
-              <a:rPr lang="en-US" dirty="0"/>
-              <a:t>Fourth level</a:t>
-            </a:r>
-          </a:p>
-          <a:p>
-            <a:pPr lvl="4"/>
-            <a:r>
-              <a:rPr lang="en-US" dirty="0"/>
-              <a:t>Fifth level</a:t>
-            </a:r>
-          </a:p>
-        </p:txBody>
-      </p:sp>
-      <p:sp>
-        <p:nvSpPr>
-          <p:cNvPr id="4" name="Content Placeholder 3"/>
-          <p:cNvSpPr>
-            <a:spLocks noGrp="1"/>
-          </p:cNvSpPr>
-          <p:nvPr>
-            <p:ph sz="half" idx="2"/>
-          </p:nvPr>
-        </p:nvSpPr>
-        <p:spPr>
-          <a:xfrm>
-            <a:off x="6197600" y="1600205"/>
-            <a:ext cx="5384800" cy="4419595"/>
-          </a:xfrm>
-        </p:spPr>
-        <p:txBody>
-          <a:bodyPr/>
-          <a:lstStyle>
-            <a:lvl1pPr>
-              <a:defRPr sz="2800">
-                <a:solidFill>
-                  <a:srgbClr val="4D4D4D"/>
-                </a:solidFill>
-                <a:latin typeface="Arial" panose="020B0604020202020204" pitchFamily="34" charset="0"/>
-                <a:cs typeface="Arial" panose="020B0604020202020204" pitchFamily="34" charset="0"/>
-              </a:defRPr>
-            </a:lvl1pPr>
-            <a:lvl2pPr>
-              <a:defRPr sz="2400">
-                <a:solidFill>
-                  <a:srgbClr val="4D4D4D"/>
-                </a:solidFill>
-                <a:latin typeface="Arial" panose="020B0604020202020204" pitchFamily="34" charset="0"/>
-                <a:cs typeface="Arial" panose="020B0604020202020204" pitchFamily="34" charset="0"/>
-              </a:defRPr>
-            </a:lvl2pPr>
-            <a:lvl3pPr>
-              <a:defRPr sz="2000">
-                <a:solidFill>
-                  <a:srgbClr val="4D4D4D"/>
-                </a:solidFill>
-                <a:latin typeface="Arial" panose="020B0604020202020204" pitchFamily="34" charset="0"/>
-                <a:cs typeface="Arial" panose="020B0604020202020204" pitchFamily="34" charset="0"/>
-              </a:defRPr>
-            </a:lvl3pPr>
-            <a:lvl4pPr>
-              <a:defRPr sz="1800">
-                <a:solidFill>
-                  <a:srgbClr val="4D4D4D"/>
-                </a:solidFill>
-                <a:latin typeface="Arial" panose="020B0604020202020204" pitchFamily="34" charset="0"/>
-                <a:cs typeface="Arial" panose="020B0604020202020204" pitchFamily="34" charset="0"/>
-              </a:defRPr>
-            </a:lvl4pPr>
-            <a:lvl5pPr>
-              <a:defRPr sz="1800">
-                <a:solidFill>
-                  <a:srgbClr val="4D4D4D"/>
-                </a:solidFill>
-                <a:latin typeface="Arial" panose="020B0604020202020204" pitchFamily="34" charset="0"/>
-                <a:cs typeface="Arial" panose="020B0604020202020204" pitchFamily="34" charset="0"/>
-              </a:defRPr>
-            </a:lvl5pPr>
-            <a:lvl6pPr>
-              <a:defRPr sz="1800"/>
-            </a:lvl6pPr>
-            <a:lvl7pPr>
-              <a:defRPr sz="1800"/>
-            </a:lvl7pPr>
-            <a:lvl8pPr>
-              <a:defRPr sz="1800"/>
-            </a:lvl8pPr>
-            <a:lvl9pPr>
-              <a:defRPr sz="1800"/>
-            </a:lvl9pPr>
-          </a:lstStyle>
-          <a:p>
-            <a:pPr lvl="0"/>
-            <a:r>
-              <a:rPr lang="en-US"/>
-              <a:t>Edit Master text styles</a:t>
-            </a:r>
-          </a:p>
-          <a:p>
-            <a:pPr lvl="1"/>
-            <a:r>
-              <a:rPr lang="en-US"/>
-              <a:t>Second level</a:t>
-            </a:r>
-          </a:p>
-          <a:p>
-            <a:pPr lvl="2"/>
-            <a:r>
-              <a:rPr lang="en-US"/>
-              <a:t>Third level</a:t>
-            </a:r>
-          </a:p>
-          <a:p>
-            <a:pPr lvl="3"/>
-            <a:r>
-              <a:rPr lang="en-US"/>
-              <a:t>Fourth level</a:t>
-            </a:r>
-          </a:p>
-          <a:p>
-            <a:pPr lvl="4"/>
-            <a:r>
-              <a:rPr lang="en-US"/>
-              <a:t>Fifth level</a:t>
-            </a:r>
-            <a:endParaRPr lang="en-US" dirty="0"/>
-          </a:p>
-        </p:txBody>
-      </p:sp>
-      <p:sp>
-        <p:nvSpPr>
           <p:cNvPr id="5" name="Date Placeholder 4"/>
           <p:cNvSpPr>
             <a:spLocks noGrp="1"/>
@@ -3219,7 +2946,7 @@
             </a:pPr>
             <a:fld id="{E94624B4-D5F9-4BA3-9BB4-2E0D94849020}" type="datetime1">
               <a:rPr lang="en-US" smtClean="0"/>
-              <a:t>5/14/2021</a:t>
+              <a:t>6/11/2021</a:t>
             </a:fld>
             <a:endParaRPr lang="en-US" dirty="0"/>
           </a:p>
@@ -3258,6 +2985,243 @@
               <a:t>‹#›</a:t>
             </a:fld>
             <a:endParaRPr lang="en-US" dirty="0"/>
+          </a:p>
+        </p:txBody>
+      </p:sp>
+      <p:sp>
+        <p:nvSpPr>
+          <p:cNvPr id="8" name="Title 1">
+            <a:extLst>
+              <a:ext uri="{FF2B5EF4-FFF2-40B4-BE49-F238E27FC236}">
+                <a16:creationId xmlns:a16="http://schemas.microsoft.com/office/drawing/2014/main" id="{DADB0BB8-7DAA-4405-BF2F-129EACDA7738}"/>
+              </a:ext>
+            </a:extLst>
+          </p:cNvPr>
+          <p:cNvSpPr>
+            <a:spLocks noGrp="1"/>
+          </p:cNvSpPr>
+          <p:nvPr>
+            <p:ph type="title"/>
+          </p:nvPr>
+        </p:nvSpPr>
+        <p:spPr>
+          <a:xfrm>
+            <a:off x="609600" y="274638"/>
+            <a:ext cx="10972800" cy="639762"/>
+          </a:xfrm>
+        </p:spPr>
+        <p:txBody>
+          <a:bodyPr/>
+          <a:lstStyle>
+            <a:lvl1pPr>
+              <a:defRPr sz="3200"/>
+            </a:lvl1pPr>
+          </a:lstStyle>
+          <a:p>
+            <a:r>
+              <a:rPr lang="en-US" dirty="0"/>
+              <a:t>Click to edit Master title style</a:t>
+            </a:r>
+          </a:p>
+        </p:txBody>
+      </p:sp>
+      <p:sp>
+        <p:nvSpPr>
+          <p:cNvPr id="9" name="Subtitle 2">
+            <a:extLst>
+              <a:ext uri="{FF2B5EF4-FFF2-40B4-BE49-F238E27FC236}">
+                <a16:creationId xmlns:a16="http://schemas.microsoft.com/office/drawing/2014/main" id="{4C4D2170-775B-4B41-B329-29E44675D69A}"/>
+              </a:ext>
+            </a:extLst>
+          </p:cNvPr>
+          <p:cNvSpPr>
+            <a:spLocks noGrp="1"/>
+          </p:cNvSpPr>
+          <p:nvPr>
+            <p:ph type="subTitle" idx="13"/>
+          </p:nvPr>
+        </p:nvSpPr>
+        <p:spPr>
+          <a:xfrm>
+            <a:off x="609597" y="933072"/>
+            <a:ext cx="10972800" cy="590928"/>
+          </a:xfrm>
+        </p:spPr>
+        <p:txBody>
+          <a:bodyPr anchor="t"/>
+          <a:lstStyle>
+            <a:lvl1pPr marL="0" indent="0" algn="ctr">
+              <a:buNone/>
+              <a:defRPr>
+                <a:solidFill>
+                  <a:srgbClr val="999999"/>
+                </a:solidFill>
+                <a:latin typeface="Arial" panose="020B0604020202020204" pitchFamily="34" charset="0"/>
+                <a:cs typeface="Arial" panose="020B0604020202020204" pitchFamily="34" charset="0"/>
+              </a:defRPr>
+            </a:lvl1pPr>
+            <a:lvl2pPr marL="457200" indent="0" algn="ctr">
+              <a:buNone/>
+              <a:defRPr>
+                <a:solidFill>
+                  <a:schemeClr val="tx1">
+                    <a:tint val="75000"/>
+                  </a:schemeClr>
+                </a:solidFill>
+              </a:defRPr>
+            </a:lvl2pPr>
+            <a:lvl3pPr marL="914400" indent="0" algn="ctr">
+              <a:buNone/>
+              <a:defRPr>
+                <a:solidFill>
+                  <a:schemeClr val="tx1">
+                    <a:tint val="75000"/>
+                  </a:schemeClr>
+                </a:solidFill>
+              </a:defRPr>
+            </a:lvl3pPr>
+            <a:lvl4pPr marL="1371600" indent="0" algn="ctr">
+              <a:buNone/>
+              <a:defRPr>
+                <a:solidFill>
+                  <a:schemeClr val="tx1">
+                    <a:tint val="75000"/>
+                  </a:schemeClr>
+                </a:solidFill>
+              </a:defRPr>
+            </a:lvl4pPr>
+            <a:lvl5pPr marL="1828800" indent="0" algn="ctr">
+              <a:buNone/>
+              <a:defRPr>
+                <a:solidFill>
+                  <a:schemeClr val="tx1">
+                    <a:tint val="75000"/>
+                  </a:schemeClr>
+                </a:solidFill>
+              </a:defRPr>
+            </a:lvl5pPr>
+            <a:lvl6pPr marL="2286000" indent="0" algn="ctr">
+              <a:buNone/>
+              <a:defRPr>
+                <a:solidFill>
+                  <a:schemeClr val="tx1">
+                    <a:tint val="75000"/>
+                  </a:schemeClr>
+                </a:solidFill>
+              </a:defRPr>
+            </a:lvl6pPr>
+            <a:lvl7pPr marL="2743200" indent="0" algn="ctr">
+              <a:buNone/>
+              <a:defRPr>
+                <a:solidFill>
+                  <a:schemeClr val="tx1">
+                    <a:tint val="75000"/>
+                  </a:schemeClr>
+                </a:solidFill>
+              </a:defRPr>
+            </a:lvl7pPr>
+            <a:lvl8pPr marL="3200400" indent="0" algn="ctr">
+              <a:buNone/>
+              <a:defRPr>
+                <a:solidFill>
+                  <a:schemeClr val="tx1">
+                    <a:tint val="75000"/>
+                  </a:schemeClr>
+                </a:solidFill>
+              </a:defRPr>
+            </a:lvl8pPr>
+            <a:lvl9pPr marL="3657600" indent="0" algn="ctr">
+              <a:buNone/>
+              <a:defRPr>
+                <a:solidFill>
+                  <a:schemeClr val="tx1">
+                    <a:tint val="75000"/>
+                  </a:schemeClr>
+                </a:solidFill>
+              </a:defRPr>
+            </a:lvl9pPr>
+          </a:lstStyle>
+          <a:p>
+            <a:r>
+              <a:rPr lang="en-US" dirty="0"/>
+              <a:t>Click to edit Master subtitle style</a:t>
+            </a:r>
+          </a:p>
+        </p:txBody>
+      </p:sp>
+      <p:sp>
+        <p:nvSpPr>
+          <p:cNvPr id="6" name="Table Placeholder 5">
+            <a:extLst>
+              <a:ext uri="{FF2B5EF4-FFF2-40B4-BE49-F238E27FC236}">
+                <a16:creationId xmlns:a16="http://schemas.microsoft.com/office/drawing/2014/main" id="{91B9F7C1-AA40-44A2-AF10-70530563DEB3}"/>
+              </a:ext>
+            </a:extLst>
+          </p:cNvPr>
+          <p:cNvSpPr>
+            <a:spLocks noGrp="1"/>
+          </p:cNvSpPr>
+          <p:nvPr>
+            <p:ph type="tbl" sz="quarter" idx="14" hasCustomPrompt="1"/>
+          </p:nvPr>
+        </p:nvSpPr>
+        <p:spPr>
+          <a:xfrm>
+            <a:off x="609596" y="1600205"/>
+            <a:ext cx="5440680" cy="4419595"/>
+          </a:xfrm>
+        </p:spPr>
+        <p:txBody>
+          <a:bodyPr/>
+          <a:lstStyle>
+            <a:lvl1pPr marL="0" indent="0" algn="ctr">
+              <a:buNone/>
+              <a:defRPr/>
+            </a:lvl1pPr>
+          </a:lstStyle>
+          <a:p>
+            <a:r>
+              <a:rPr lang="en-US" dirty="0"/>
+              <a:t>Table</a:t>
+            </a:r>
+          </a:p>
+        </p:txBody>
+      </p:sp>
+      <p:sp>
+        <p:nvSpPr>
+          <p:cNvPr id="11" name="Picture Placeholder 10">
+            <a:extLst>
+              <a:ext uri="{FF2B5EF4-FFF2-40B4-BE49-F238E27FC236}">
+                <a16:creationId xmlns:a16="http://schemas.microsoft.com/office/drawing/2014/main" id="{E644D2B3-4BD6-4928-99DB-8EFCB5351158}"/>
+              </a:ext>
+            </a:extLst>
+          </p:cNvPr>
+          <p:cNvSpPr>
+            <a:spLocks noGrp="1"/>
+          </p:cNvSpPr>
+          <p:nvPr>
+            <p:ph type="pic" sz="quarter" idx="15"/>
+          </p:nvPr>
+        </p:nvSpPr>
+        <p:spPr>
+          <a:xfrm>
+            <a:off x="6141726" y="1600204"/>
+            <a:ext cx="5440680" cy="4419595"/>
+          </a:xfrm>
+        </p:spPr>
+        <p:txBody>
+          <a:bodyPr/>
+          <a:lstStyle>
+            <a:lvl1pPr marL="0" indent="0" algn="ctr">
+              <a:buNone/>
+              <a:defRPr/>
+            </a:lvl1pPr>
+          </a:lstStyle>
+          <a:p>
+            <a:r>
+              <a:rPr lang="en-US" dirty="0"/>
+              <a:t>Click icon to add picture</a:t>
+            </a:r>
           </a:p>
         </p:txBody>
       </p:sp>
@@ -3361,7 +3325,7 @@
             </a:pPr>
             <a:fld id="{B808CF3A-5470-4422-BEB8-F0F7810FD9CD}" type="datetime1">
               <a:rPr lang="en-US" smtClean="0"/>
-              <a:t>5/14/2021</a:t>
+              <a:t>6/11/2021</a:t>
             </a:fld>
             <a:endParaRPr lang="en-US"/>
           </a:p>
@@ -3457,7 +3421,7 @@
             </a:pPr>
             <a:fld id="{325DE4A2-975A-43F8-84F3-1E80D760408D}" type="datetime1">
               <a:rPr lang="en-US" smtClean="0"/>
-              <a:t>5/14/2021</a:t>
+              <a:t>6/11/2021</a:t>
             </a:fld>
             <a:endParaRPr lang="en-US" dirty="0"/>
           </a:p>
@@ -3722,7 +3686,7 @@
             </a:pPr>
             <a:fld id="{D295A94E-734E-4BB1-B1E2-3529378E9511}" type="datetime1">
               <a:rPr lang="en-US" smtClean="0"/>
-              <a:t>5/14/2021</a:t>
+              <a:t>6/11/2021</a:t>
             </a:fld>
             <a:endParaRPr lang="en-US" dirty="0"/>
           </a:p>

--- a/inst/extdata/covid_report_template.pptx
+++ b/inst/extdata/covid_report_template.pptx
@@ -3167,8 +3167,8 @@
         </p:nvSpPr>
         <p:spPr>
           <a:xfrm>
-            <a:off x="609596" y="1600205"/>
-            <a:ext cx="5440680" cy="4419595"/>
+            <a:off x="381000" y="1600205"/>
+            <a:ext cx="5669276" cy="4419595"/>
           </a:xfrm>
         </p:spPr>
         <p:txBody>
@@ -3206,7 +3206,7 @@
         <p:spPr>
           <a:xfrm>
             <a:off x="6141726" y="1600204"/>
-            <a:ext cx="5440680" cy="4419595"/>
+            <a:ext cx="5669274" cy="4419595"/>
           </a:xfrm>
         </p:spPr>
         <p:txBody>
